--- a/Slides/베이즈 정리 이해.pptx
+++ b/Slides/베이즈 정리 이해.pptx
@@ -11,7 +11,6 @@
     <p:sldId id="261" r:id="rId5"/>
     <p:sldId id="262" r:id="rId6"/>
     <p:sldId id="263" r:id="rId7"/>
-    <p:sldId id="264" r:id="rId8"/>
   </p:sldIdLst>
   <p:sldSz cx="12192000" cy="6858000"/>
   <p:notesSz cx="6858000" cy="9144000"/>
@@ -3602,108 +3601,15 @@
           </a:p>
         </p:txBody>
       </p:sp>
-      <p:sp>
-        <p:nvSpPr>
-          <p:cNvPr id="3" name="내용 개체 틀 2"/>
-          <p:cNvSpPr>
-            <a:spLocks noGrp="1"/>
-          </p:cNvSpPr>
-          <p:nvPr>
-            <p:ph idx="1"/>
-          </p:nvPr>
-        </p:nvSpPr>
-        <p:spPr/>
-        <p:txBody>
-          <a:bodyPr/>
-          <a:lstStyle/>
-          <a:p>
-            <a:endParaRPr lang="en-US" dirty="0"/>
-          </a:p>
-        </p:txBody>
-      </p:sp>
-    </p:spTree>
-    <p:extLst>
-      <p:ext uri="{BB962C8B-B14F-4D97-AF65-F5344CB8AC3E}">
-        <p14:creationId xmlns:p14="http://schemas.microsoft.com/office/powerpoint/2010/main" val="1738276948"/>
-      </p:ext>
-    </p:extLst>
-  </p:cSld>
-  <p:clrMapOvr>
-    <a:masterClrMapping/>
-  </p:clrMapOvr>
-</p:sld>
-</file>
-
-<file path=ppt/slides/slide7.xml><?xml version="1.0" encoding="utf-8"?>
-<p:sld xmlns:a="http://schemas.openxmlformats.org/drawingml/2006/main" xmlns:r="http://schemas.openxmlformats.org/officeDocument/2006/relationships" xmlns:p="http://schemas.openxmlformats.org/presentationml/2006/main">
-  <p:cSld>
-    <p:spTree>
-      <p:nvGrpSpPr>
-        <p:cNvPr id="1" name=""/>
-        <p:cNvGrpSpPr/>
-        <p:nvPr/>
-      </p:nvGrpSpPr>
-      <p:grpSpPr>
-        <a:xfrm>
-          <a:off x="0" y="0"/>
-          <a:ext cx="0" cy="0"/>
-          <a:chOff x="0" y="0"/>
-          <a:chExt cx="0" cy="0"/>
-        </a:xfrm>
-      </p:grpSpPr>
-      <p:sp>
-        <p:nvSpPr>
-          <p:cNvPr id="2" name="제목 1"/>
-          <p:cNvSpPr>
-            <a:spLocks noGrp="1"/>
-          </p:cNvSpPr>
-          <p:nvPr>
-            <p:ph type="title"/>
-          </p:nvPr>
-        </p:nvSpPr>
-        <p:spPr/>
-        <p:txBody>
-          <a:bodyPr/>
-          <a:lstStyle/>
-          <a:p>
-            <a:r>
-              <a:rPr lang="ko-KR" altLang="en-US" dirty="0" err="1" smtClean="0"/>
-              <a:t>베이즈</a:t>
-            </a:r>
-            <a:r>
-              <a:rPr lang="ko-KR" altLang="en-US" dirty="0" smtClean="0"/>
-              <a:t> 정리 이해</a:t>
-            </a:r>
-            <a:endParaRPr lang="en-US" dirty="0"/>
-          </a:p>
-        </p:txBody>
-      </p:sp>
-      <p:sp>
-        <p:nvSpPr>
-          <p:cNvPr id="3" name="내용 개체 틀 2"/>
-          <p:cNvSpPr>
-            <a:spLocks noGrp="1"/>
-          </p:cNvSpPr>
-          <p:nvPr>
-            <p:ph idx="1"/>
-          </p:nvPr>
-        </p:nvSpPr>
-        <p:spPr/>
-        <p:txBody>
-          <a:bodyPr/>
-          <a:lstStyle/>
-          <a:p>
-            <a:endParaRPr lang="en-US" dirty="0"/>
-          </a:p>
-        </p:txBody>
-      </p:sp>
       <p:pic>
         <p:nvPicPr>
-          <p:cNvPr id="4" name="그림 3"/>
+          <p:cNvPr id="4" name="내용 개체 틀 3"/>
           <p:cNvPicPr>
-            <a:picLocks noChangeAspect="1"/>
+            <a:picLocks noGrp="1" noChangeAspect="1"/>
           </p:cNvPicPr>
-          <p:nvPr/>
+          <p:nvPr>
+            <p:ph idx="1"/>
+          </p:nvPr>
         </p:nvPicPr>
         <p:blipFill>
           <a:blip r:embed="rId2"/>
@@ -3713,8 +3619,8 @@
         </p:blipFill>
         <p:spPr>
           <a:xfrm>
-            <a:off x="2852737" y="2371725"/>
-            <a:ext cx="6486525" cy="2114550"/>
+            <a:off x="4381500" y="2648744"/>
+            <a:ext cx="3429000" cy="2705100"/>
           </a:xfrm>
           <a:prstGeom prst="rect">
             <a:avLst/>
@@ -3724,7 +3630,7 @@
     </p:spTree>
     <p:extLst>
       <p:ext uri="{BB962C8B-B14F-4D97-AF65-F5344CB8AC3E}">
-        <p14:creationId xmlns:p14="http://schemas.microsoft.com/office/powerpoint/2010/main" val="3677976107"/>
+        <p14:creationId xmlns:p14="http://schemas.microsoft.com/office/powerpoint/2010/main" val="1738276948"/>
       </p:ext>
     </p:extLst>
   </p:cSld>
